--- a/cours/22_prep_commerciale/la_poste/pptx/PPT_RDP_SSEBIH.pptx
+++ b/cours/22_prep_commerciale/la_poste/pptx/PPT_RDP_SSEBIH.pptx
@@ -6548,6 +6548,81 @@
           </a:p>
         </p:txBody>
       </p:sp>
+      <p:sp>
+        <p:nvSpPr>
+          <p:cNvPr id="9" name="Ellipse 8">
+            <a:extLst>
+              <a:ext uri="{FF2B5EF4-FFF2-40B4-BE49-F238E27FC236}">
+                <a16:creationId xmlns:a16="http://schemas.microsoft.com/office/drawing/2014/main" id="{C45513BB-B353-0EAA-FDC2-3D9AB01DC492}"/>
+              </a:ext>
+            </a:extLst>
+          </p:cNvPr>
+          <p:cNvSpPr/>
+          <p:nvPr/>
+        </p:nvSpPr>
+        <p:spPr bwMode="auto">
+          <a:xfrm>
+            <a:off x="6660232" y="179348"/>
+            <a:ext cx="2375059" cy="2304256"/>
+          </a:xfrm>
+          <a:prstGeom prst="ellipse">
+            <a:avLst/>
+          </a:prstGeom>
+          <a:blipFill dpi="0" rotWithShape="1">
+            <a:blip r:embed="rId4"/>
+            <a:srcRect/>
+            <a:stretch>
+              <a:fillRect/>
+            </a:stretch>
+          </a:blipFill>
+          <a:ln w="9525" cap="flat" cmpd="sng" algn="ctr">
+            <a:solidFill>
+              <a:schemeClr val="tx1"/>
+            </a:solidFill>
+            <a:prstDash val="solid"/>
+            <a:round/>
+            <a:headEnd type="none" w="med" len="med"/>
+            <a:tailEnd type="none" w="med" len="med"/>
+          </a:ln>
+          <a:effectLst/>
+        </p:spPr>
+        <p:txBody>
+          <a:bodyPr vert="horz" wrap="square" lIns="91440" tIns="45720" rIns="91440" bIns="45720" numCol="1" rtlCol="0" anchor="t" anchorCtr="0" compatLnSpc="1">
+            <a:prstTxWarp prst="textNoShape">
+              <a:avLst/>
+            </a:prstTxWarp>
+          </a:bodyPr>
+          <a:lstStyle/>
+          <a:p>
+            <a:pPr marL="0" marR="0" indent="0" algn="l" defTabSz="914400" rtl="0" eaLnBrk="1" fontAlgn="base" latinLnBrk="0" hangingPunct="1">
+              <a:lnSpc>
+                <a:spcPct val="100000"/>
+              </a:lnSpc>
+              <a:spcBef>
+                <a:spcPct val="0"/>
+              </a:spcBef>
+              <a:spcAft>
+                <a:spcPct val="0"/>
+              </a:spcAft>
+              <a:buClrTx/>
+              <a:buSzTx/>
+              <a:buFontTx/>
+              <a:buNone/>
+              <a:tabLst/>
+            </a:pPr>
+            <a:endParaRPr kumimoji="0" lang="fr-FR" sz="1800" b="1" i="0" u="none" strike="noStrike" cap="none" normalizeH="0" baseline="0" dirty="0">
+              <a:ln>
+                <a:noFill/>
+              </a:ln>
+              <a:solidFill>
+                <a:schemeClr val="tx1"/>
+              </a:solidFill>
+              <a:effectLst/>
+              <a:latin typeface="Arial" charset="0"/>
+            </a:endParaRPr>
+          </a:p>
+        </p:txBody>
+      </p:sp>
     </p:spTree>
   </p:cSld>
   <p:clrMapOvr>
@@ -8916,6 +8991,107 @@
           </a:extLst>
         </p:spPr>
       </p:cxnSp>
+      <p:cxnSp>
+        <p:nvCxnSpPr>
+          <p:cNvPr id="5" name="Connecteur : en angle 4">
+            <a:extLst>
+              <a:ext uri="{FF2B5EF4-FFF2-40B4-BE49-F238E27FC236}">
+                <a16:creationId xmlns:a16="http://schemas.microsoft.com/office/drawing/2014/main" id="{6BBF4365-9EBD-3625-8C79-C0F0351F4FF4}"/>
+              </a:ext>
+            </a:extLst>
+          </p:cNvPr>
+          <p:cNvCxnSpPr/>
+          <p:nvPr/>
+        </p:nvCxnSpPr>
+        <p:spPr bwMode="auto">
+          <a:xfrm rot="16200000" flipV="1">
+            <a:off x="5000412" y="5498802"/>
+            <a:ext cx="710789" cy="559499"/>
+          </a:xfrm>
+          <a:prstGeom prst="bentConnector3">
+            <a:avLst>
+              <a:gd name="adj1" fmla="val 50000"/>
+            </a:avLst>
+          </a:prstGeom>
+          <a:solidFill>
+            <a:schemeClr val="accent1"/>
+          </a:solidFill>
+          <a:ln w="9525" cap="flat" cmpd="sng" algn="ctr">
+            <a:solidFill>
+              <a:schemeClr val="tx1"/>
+            </a:solidFill>
+            <a:prstDash val="solid"/>
+            <a:round/>
+            <a:headEnd type="none" w="med" len="med"/>
+            <a:tailEnd type="triangle"/>
+          </a:ln>
+          <a:effectLst/>
+          <a:extLst>
+            <a:ext uri="{AF507438-7753-43E0-B8FC-AC1667EBCBE1}">
+              <a14:hiddenEffects xmlns:a14="http://schemas.microsoft.com/office/drawing/2010/main">
+                <a:effectLst>
+                  <a:outerShdw dist="35921" dir="2700000" algn="ctr" rotWithShape="0">
+                    <a:schemeClr val="bg2"/>
+                  </a:outerShdw>
+                </a:effectLst>
+              </a14:hiddenEffects>
+            </a:ext>
+          </a:extLst>
+        </p:spPr>
+      </p:cxnSp>
+      <p:sp>
+        <p:nvSpPr>
+          <p:cNvPr id="32" name="ZoneTexte 31">
+            <a:extLst>
+              <a:ext uri="{FF2B5EF4-FFF2-40B4-BE49-F238E27FC236}">
+                <a16:creationId xmlns:a16="http://schemas.microsoft.com/office/drawing/2014/main" id="{B746E09A-1343-52C5-E323-C2B67FB4475F}"/>
+              </a:ext>
+            </a:extLst>
+          </p:cNvPr>
+          <p:cNvSpPr txBox="1"/>
+          <p:nvPr/>
+        </p:nvSpPr>
+        <p:spPr>
+          <a:xfrm>
+            <a:off x="3461385" y="4997727"/>
+            <a:ext cx="2160240" cy="369332"/>
+          </a:xfrm>
+          <a:prstGeom prst="rect">
+            <a:avLst/>
+          </a:prstGeom>
+          <a:ln/>
+        </p:spPr>
+        <p:style>
+          <a:lnRef idx="2">
+            <a:schemeClr val="dk1"/>
+          </a:lnRef>
+          <a:fillRef idx="1">
+            <a:schemeClr val="lt1"/>
+          </a:fillRef>
+          <a:effectRef idx="0">
+            <a:schemeClr val="dk1"/>
+          </a:effectRef>
+          <a:fontRef idx="minor">
+            <a:schemeClr val="dk1"/>
+          </a:fontRef>
+        </p:style>
+        <p:txBody>
+          <a:bodyPr wrap="square" rtlCol="0">
+            <a:spAutoFit/>
+          </a:bodyPr>
+          <a:lstStyle/>
+          <a:p>
+            <a:pPr algn="ctr"/>
+            <a:r>
+              <a:rPr lang="fr-FR" dirty="0">
+                <a:latin typeface="Arial" panose="020B0604020202020204" pitchFamily="34" charset="0"/>
+                <a:cs typeface="Arial" panose="020B0604020202020204" pitchFamily="34" charset="0"/>
+              </a:rPr>
+              <a:t>API REST</a:t>
+            </a:r>
+          </a:p>
+        </p:txBody>
+      </p:sp>
     </p:spTree>
     <p:extLst>
       <p:ext uri="{BB962C8B-B14F-4D97-AF65-F5344CB8AC3E}">
